--- a/documents/Detailed Report.pptx
+++ b/documents/Detailed Report.pptx
@@ -14,6 +14,9 @@
     <p:sldId id="262" r:id="rId8"/>
     <p:sldId id="263" r:id="rId9"/>
     <p:sldId id="264" r:id="rId10"/>
+    <p:sldId id="265" r:id="rId11"/>
+    <p:sldId id="266" r:id="rId12"/>
+    <p:sldId id="267" r:id="rId13"/>
   </p:sldIdLst>
   <p:sldSz cx="12192000" cy="6858000"/>
   <p:notesSz cx="6858000" cy="9144000"/>
@@ -112,7 +115,20 @@
       </a:defRPr>
     </a:lvl9pPr>
   </p:defaultTextStyle>
+  <p:extLst>
+    <p:ext uri="{EFAFB233-063F-42B5-8137-9DF3F51BA10A}">
+      <p15:sldGuideLst xmlns:p15="http://schemas.microsoft.com/office/powerpoint/2012/main"/>
+    </p:ext>
+  </p:extLst>
 </p:presentation>
+</file>
+
+<file path=ppt/revisionInfo.xml><?xml version="1.0" encoding="utf-8"?>
+<p1510:revInfo xmlns:a="http://schemas.openxmlformats.org/drawingml/2006/main" xmlns:r="http://schemas.openxmlformats.org/officeDocument/2006/relationships" xmlns:p1510="http://schemas.microsoft.com/office/powerpoint/2015/10/main">
+  <p1510:revLst>
+    <p1510:client id="{76BA637D-4AE7-49DF-B91C-1AEB5D4433FA}" v="1680" dt="2021-12-02T13:03:43.888"/>
+  </p1510:revLst>
+</p1510:revInfo>
 </file>
 
 <file path=ppt/slideLayouts/slideLayout1.xml><?xml version="1.0" encoding="utf-8"?>
@@ -329,7 +345,7 @@
             <a:fld id="{B61BEF0D-F0BB-DE4B-95CE-6DB70DBA9567}" type="datetimeFigureOut">
               <a:rPr lang="en-US" dirty="0"/>
               <a:pPr/>
-              <a:t>12/1/2021</a:t>
+              <a:t>12/2/2021</a:t>
             </a:fld>
             <a:endParaRPr lang="en-US" dirty="0"/>
           </a:p>
@@ -617,7 +633,7 @@
             <a:fld id="{B61BEF0D-F0BB-DE4B-95CE-6DB70DBA9567}" type="datetimeFigureOut">
               <a:rPr lang="en-US" dirty="0"/>
               <a:pPr/>
-              <a:t>12/1/2021</a:t>
+              <a:t>12/2/2021</a:t>
             </a:fld>
             <a:endParaRPr lang="en-US" dirty="0"/>
           </a:p>
@@ -873,7 +889,7 @@
             <a:fld id="{B61BEF0D-F0BB-DE4B-95CE-6DB70DBA9567}" type="datetimeFigureOut">
               <a:rPr lang="en-US" dirty="0"/>
               <a:pPr/>
-              <a:t>12/1/2021</a:t>
+              <a:t>12/2/2021</a:t>
             </a:fld>
             <a:endParaRPr lang="en-US" dirty="0"/>
           </a:p>
@@ -1339,7 +1355,7 @@
             <a:fld id="{B61BEF0D-F0BB-DE4B-95CE-6DB70DBA9567}" type="datetimeFigureOut">
               <a:rPr lang="en-US" dirty="0"/>
               <a:pPr/>
-              <a:t>12/1/2021</a:t>
+              <a:t>12/2/2021</a:t>
             </a:fld>
             <a:endParaRPr lang="en-US" dirty="0"/>
           </a:p>
@@ -1516,7 +1532,7 @@
             <a:fld id="{B61BEF0D-F0BB-DE4B-95CE-6DB70DBA9567}" type="datetimeFigureOut">
               <a:rPr lang="en-US" dirty="0"/>
               <a:pPr/>
-              <a:t>12/1/2021</a:t>
+              <a:t>12/2/2021</a:t>
             </a:fld>
             <a:endParaRPr lang="en-US" dirty="0"/>
           </a:p>
@@ -2089,7 +2105,7 @@
             <a:fld id="{B61BEF0D-F0BB-DE4B-95CE-6DB70DBA9567}" type="datetimeFigureOut">
               <a:rPr lang="en-US" dirty="0"/>
               <a:pPr/>
-              <a:t>12/1/2021</a:t>
+              <a:t>12/2/2021</a:t>
             </a:fld>
             <a:endParaRPr lang="en-US" dirty="0"/>
           </a:p>
@@ -2418,7 +2434,7 @@
             <a:fld id="{B61BEF0D-F0BB-DE4B-95CE-6DB70DBA9567}" type="datetimeFigureOut">
               <a:rPr lang="en-US" dirty="0"/>
               <a:pPr/>
-              <a:t>12/1/2021</a:t>
+              <a:t>12/2/2021</a:t>
             </a:fld>
             <a:endParaRPr lang="en-US" dirty="0"/>
           </a:p>
@@ -2590,7 +2606,7 @@
             <a:fld id="{B61BEF0D-F0BB-DE4B-95CE-6DB70DBA9567}" type="datetimeFigureOut">
               <a:rPr lang="en-US" dirty="0"/>
               <a:pPr/>
-              <a:t>12/1/2021</a:t>
+              <a:t>12/2/2021</a:t>
             </a:fld>
             <a:endParaRPr lang="en-US" dirty="0"/>
           </a:p>
@@ -2767,7 +2783,7 @@
             <a:fld id="{B61BEF0D-F0BB-DE4B-95CE-6DB70DBA9567}" type="datetimeFigureOut">
               <a:rPr lang="en-US" dirty="0"/>
               <a:pPr/>
-              <a:t>12/1/2021</a:t>
+              <a:t>12/2/2021</a:t>
             </a:fld>
             <a:endParaRPr lang="en-US" dirty="0"/>
           </a:p>
@@ -2934,7 +2950,7 @@
             <a:fld id="{B61BEF0D-F0BB-DE4B-95CE-6DB70DBA9567}" type="datetimeFigureOut">
               <a:rPr lang="en-US" dirty="0"/>
               <a:pPr/>
-              <a:t>12/1/2021</a:t>
+              <a:t>12/2/2021</a:t>
             </a:fld>
             <a:endParaRPr lang="en-US" dirty="0"/>
           </a:p>
@@ -3188,7 +3204,7 @@
             <a:fld id="{B61BEF0D-F0BB-DE4B-95CE-6DB70DBA9567}" type="datetimeFigureOut">
               <a:rPr lang="en-US" dirty="0"/>
               <a:pPr/>
-              <a:t>12/1/2021</a:t>
+              <a:t>12/2/2021</a:t>
             </a:fld>
             <a:endParaRPr lang="en-US" dirty="0"/>
           </a:p>
@@ -3477,7 +3493,7 @@
             <a:fld id="{B61BEF0D-F0BB-DE4B-95CE-6DB70DBA9567}" type="datetimeFigureOut">
               <a:rPr lang="en-US" dirty="0"/>
               <a:pPr/>
-              <a:t>12/1/2021</a:t>
+              <a:t>12/2/2021</a:t>
             </a:fld>
             <a:endParaRPr lang="en-US" dirty="0"/>
           </a:p>
@@ -3904,7 +3920,7 @@
             <a:fld id="{B61BEF0D-F0BB-DE4B-95CE-6DB70DBA9567}" type="datetimeFigureOut">
               <a:rPr lang="en-US" dirty="0"/>
               <a:pPr/>
-              <a:t>12/1/2021</a:t>
+              <a:t>12/2/2021</a:t>
             </a:fld>
             <a:endParaRPr lang="en-US" dirty="0"/>
           </a:p>
@@ -4019,7 +4035,7 @@
             <a:fld id="{B61BEF0D-F0BB-DE4B-95CE-6DB70DBA9567}" type="datetimeFigureOut">
               <a:rPr lang="en-US" dirty="0"/>
               <a:pPr/>
-              <a:t>12/1/2021</a:t>
+              <a:t>12/2/2021</a:t>
             </a:fld>
             <a:endParaRPr lang="en-US" dirty="0"/>
           </a:p>
@@ -4111,7 +4127,7 @@
             <a:fld id="{B61BEF0D-F0BB-DE4B-95CE-6DB70DBA9567}" type="datetimeFigureOut">
               <a:rPr lang="en-US" dirty="0"/>
               <a:pPr/>
-              <a:t>12/1/2021</a:t>
+              <a:t>12/2/2021</a:t>
             </a:fld>
             <a:endParaRPr lang="en-US" dirty="0"/>
           </a:p>
@@ -4391,7 +4407,7 @@
             <a:fld id="{B61BEF0D-F0BB-DE4B-95CE-6DB70DBA9567}" type="datetimeFigureOut">
               <a:rPr lang="en-US" dirty="0"/>
               <a:pPr/>
-              <a:t>12/1/2021</a:t>
+              <a:t>12/2/2021</a:t>
             </a:fld>
             <a:endParaRPr lang="en-US" dirty="0"/>
           </a:p>
@@ -4679,7 +4695,7 @@
             <a:fld id="{B61BEF0D-F0BB-DE4B-95CE-6DB70DBA9567}" type="datetimeFigureOut">
               <a:rPr lang="en-US" dirty="0"/>
               <a:pPr/>
-              <a:t>12/1/2021</a:t>
+              <a:t>12/2/2021</a:t>
             </a:fld>
             <a:endParaRPr lang="en-US" dirty="0"/>
           </a:p>
@@ -4907,7 +4923,7 @@
             <a:fld id="{B61BEF0D-F0BB-DE4B-95CE-6DB70DBA9567}" type="datetimeFigureOut">
               <a:rPr lang="en-US" dirty="0"/>
               <a:pPr/>
-              <a:t>12/1/2021</a:t>
+              <a:t>12/2/2021</a:t>
             </a:fld>
             <a:endParaRPr lang="en-US" dirty="0"/>
           </a:p>
@@ -5741,6 +5757,536 @@
 </p:sld>
 </file>
 
+<file path=ppt/slides/slide10.xml><?xml version="1.0" encoding="utf-8"?>
+<p:sld xmlns:a="http://schemas.openxmlformats.org/drawingml/2006/main" xmlns:r="http://schemas.openxmlformats.org/officeDocument/2006/relationships" xmlns:p="http://schemas.openxmlformats.org/presentationml/2006/main">
+  <p:cSld>
+    <p:spTree>
+      <p:nvGrpSpPr>
+        <p:cNvPr id="1" name=""/>
+        <p:cNvGrpSpPr/>
+        <p:nvPr/>
+      </p:nvGrpSpPr>
+      <p:grpSpPr>
+        <a:xfrm>
+          <a:off x="0" y="0"/>
+          <a:ext cx="0" cy="0"/>
+          <a:chOff x="0" y="0"/>
+          <a:chExt cx="0" cy="0"/>
+        </a:xfrm>
+      </p:grpSpPr>
+      <p:sp>
+        <p:nvSpPr>
+          <p:cNvPr id="2" name="TextBox 1">
+            <a:extLst>
+              <a:ext uri="{FF2B5EF4-FFF2-40B4-BE49-F238E27FC236}">
+                <a16:creationId xmlns:a16="http://schemas.microsoft.com/office/drawing/2014/main" id="{3FA0E1E3-D080-4E0C-BDB7-42CD21C54EAC}"/>
+              </a:ext>
+            </a:extLst>
+          </p:cNvPr>
+          <p:cNvSpPr txBox="1"/>
+          <p:nvPr/>
+        </p:nvSpPr>
+        <p:spPr>
+          <a:xfrm>
+            <a:off x="983673" y="741219"/>
+            <a:ext cx="10259290" cy="4985980"/>
+          </a:xfrm>
+          <a:prstGeom prst="rect">
+            <a:avLst/>
+          </a:prstGeom>
+          <a:noFill/>
+        </p:spPr>
+        <p:txBody>
+          <a:bodyPr rot="0" spcFirstLastPara="0" vertOverflow="overflow" horzOverflow="overflow" vert="horz" wrap="square" lIns="91440" tIns="45720" rIns="91440" bIns="45720" numCol="1" spcCol="0" rtlCol="0" fromWordArt="0" anchor="t" anchorCtr="0" forceAA="0" compatLnSpc="1">
+            <a:prstTxWarp prst="textNoShape">
+              <a:avLst/>
+            </a:prstTxWarp>
+            <a:spAutoFit/>
+          </a:bodyPr>
+          <a:lstStyle/>
+          <a:p>
+            <a:pPr algn="l"/>
+            <a:r>
+              <a:rPr lang="en-US" sz="2400" dirty="0"/>
+              <a:t>FAQ</a:t>
+            </a:r>
+          </a:p>
+          <a:p>
+            <a:endParaRPr lang="en-US" sz="2400" dirty="0"/>
+          </a:p>
+          <a:p>
+            <a:r>
+              <a:rPr lang="en-US" dirty="0">
+                <a:ea typeface="+mn-lt"/>
+                <a:cs typeface="+mn-lt"/>
+              </a:rPr>
+              <a:t>Q 1) What is the source of data?</a:t>
+            </a:r>
+            <a:endParaRPr lang="en-US" dirty="0"/>
+          </a:p>
+          <a:p>
+            <a:r>
+              <a:rPr lang="en-US" dirty="0"/>
+              <a:t>Ans</a:t>
+            </a:r>
+            <a:r>
+              <a:rPr lang="en-US" dirty="0">
+                <a:ea typeface="+mn-lt"/>
+                <a:cs typeface="+mn-lt"/>
+              </a:rPr>
+              <a:t>. The data was taken from Kaggle.</a:t>
+            </a:r>
+          </a:p>
+          <a:p>
+            <a:r>
+              <a:rPr lang="en-US" dirty="0"/>
+              <a:t>Link - </a:t>
+            </a:r>
+            <a:r>
+              <a:rPr lang="en-US" dirty="0">
+                <a:ea typeface="+mn-lt"/>
+                <a:cs typeface="+mn-lt"/>
+              </a:rPr>
+              <a:t>https://www.kaggle.com/brijbhushannanda1979/bigmart-sales-data</a:t>
+            </a:r>
+            <a:endParaRPr lang="en-US" dirty="0"/>
+          </a:p>
+          <a:p>
+            <a:endParaRPr lang="en-US">
+              <a:ea typeface="+mn-lt"/>
+              <a:cs typeface="+mn-lt"/>
+            </a:endParaRPr>
+          </a:p>
+          <a:p>
+            <a:r>
+              <a:rPr lang="en-US" dirty="0">
+                <a:ea typeface="+mn-lt"/>
+                <a:cs typeface="+mn-lt"/>
+              </a:rPr>
+              <a:t>Q 2) What was the type of data?</a:t>
+            </a:r>
+            <a:endParaRPr lang="en-US" dirty="0"/>
+          </a:p>
+          <a:p>
+            <a:r>
+              <a:rPr lang="en-US" dirty="0"/>
+              <a:t>Ans. The data was a combination of numerical and categorical values.</a:t>
+            </a:r>
+          </a:p>
+          <a:p>
+            <a:endParaRPr lang="en-US"/>
+          </a:p>
+          <a:p>
+            <a:endParaRPr lang="en-US">
+              <a:ea typeface="+mn-lt"/>
+              <a:cs typeface="+mn-lt"/>
+            </a:endParaRPr>
+          </a:p>
+          <a:p>
+            <a:r>
+              <a:rPr lang="en-US" dirty="0">
+                <a:ea typeface="+mn-lt"/>
+                <a:cs typeface="+mn-lt"/>
+              </a:rPr>
+              <a:t>Q 3) What’s the complete flow you followed in this Project?</a:t>
+            </a:r>
+            <a:endParaRPr lang="en-US" dirty="0"/>
+          </a:p>
+          <a:p>
+            <a:r>
+              <a:rPr lang="en-US" dirty="0"/>
+              <a:t>Ans. Refer to the software architecture document.</a:t>
+            </a:r>
+          </a:p>
+          <a:p>
+            <a:endParaRPr lang="en-US" dirty="0">
+              <a:ea typeface="+mn-lt"/>
+              <a:cs typeface="+mn-lt"/>
+            </a:endParaRPr>
+          </a:p>
+          <a:p>
+            <a:r>
+              <a:rPr lang="en-US" dirty="0">
+                <a:ea typeface="+mn-lt"/>
+                <a:cs typeface="+mn-lt"/>
+              </a:rPr>
+              <a:t>Q 4) After the File validation what you do with incompatible file or files which didn’t pass the validation?</a:t>
+            </a:r>
+          </a:p>
+          <a:p>
+            <a:r>
+              <a:rPr lang="en-US" dirty="0"/>
+              <a:t>Ans. It is uploaded to the MongoDB database with label as invalid data and timestamp for further audit.</a:t>
+            </a:r>
+          </a:p>
+        </p:txBody>
+      </p:sp>
+    </p:spTree>
+    <p:extLst>
+      <p:ext uri="{BB962C8B-B14F-4D97-AF65-F5344CB8AC3E}">
+        <p14:creationId xmlns:p14="http://schemas.microsoft.com/office/powerpoint/2010/main" val="3465930879"/>
+      </p:ext>
+    </p:extLst>
+  </p:cSld>
+  <p:clrMapOvr>
+    <a:masterClrMapping/>
+  </p:clrMapOvr>
+</p:sld>
+</file>
+
+<file path=ppt/slides/slide11.xml><?xml version="1.0" encoding="utf-8"?>
+<p:sld xmlns:a="http://schemas.openxmlformats.org/drawingml/2006/main" xmlns:r="http://schemas.openxmlformats.org/officeDocument/2006/relationships" xmlns:p="http://schemas.openxmlformats.org/presentationml/2006/main">
+  <p:cSld>
+    <p:spTree>
+      <p:nvGrpSpPr>
+        <p:cNvPr id="1" name=""/>
+        <p:cNvGrpSpPr/>
+        <p:nvPr/>
+      </p:nvGrpSpPr>
+      <p:grpSpPr>
+        <a:xfrm>
+          <a:off x="0" y="0"/>
+          <a:ext cx="0" cy="0"/>
+          <a:chOff x="0" y="0"/>
+          <a:chExt cx="0" cy="0"/>
+        </a:xfrm>
+      </p:grpSpPr>
+      <p:sp>
+        <p:nvSpPr>
+          <p:cNvPr id="2" name="TextBox 1">
+            <a:extLst>
+              <a:ext uri="{FF2B5EF4-FFF2-40B4-BE49-F238E27FC236}">
+                <a16:creationId xmlns:a16="http://schemas.microsoft.com/office/drawing/2014/main" id="{7DFBEC69-03FF-4E93-9846-B4C80827331C}"/>
+              </a:ext>
+            </a:extLst>
+          </p:cNvPr>
+          <p:cNvSpPr txBox="1"/>
+          <p:nvPr/>
+        </p:nvSpPr>
+        <p:spPr>
+          <a:xfrm>
+            <a:off x="822037" y="671946"/>
+            <a:ext cx="10513290" cy="5078313"/>
+          </a:xfrm>
+          <a:prstGeom prst="rect">
+            <a:avLst/>
+          </a:prstGeom>
+          <a:noFill/>
+        </p:spPr>
+        <p:txBody>
+          <a:bodyPr rot="0" spcFirstLastPara="0" vertOverflow="overflow" horzOverflow="overflow" vert="horz" wrap="square" lIns="91440" tIns="45720" rIns="91440" bIns="45720" numCol="1" spcCol="0" rtlCol="0" fromWordArt="0" anchor="t" anchorCtr="0" forceAA="0" compatLnSpc="1">
+            <a:prstTxWarp prst="textNoShape">
+              <a:avLst/>
+            </a:prstTxWarp>
+            <a:spAutoFit/>
+          </a:bodyPr>
+          <a:lstStyle/>
+          <a:p>
+            <a:r>
+              <a:rPr lang="en-US" dirty="0"/>
+              <a:t>Q 5) How logs are managed?</a:t>
+            </a:r>
+            <a:endParaRPr lang="en-US" dirty="0">
+              <a:ea typeface="+mn-lt"/>
+              <a:cs typeface="+mn-lt"/>
+            </a:endParaRPr>
+          </a:p>
+          <a:p>
+            <a:r>
+              <a:rPr lang="en-US" dirty="0">
+                <a:ea typeface="+mn-lt"/>
+                <a:cs typeface="+mn-lt"/>
+              </a:rPr>
+              <a:t>Ans. The logs are uploaded in the MongoDB database.</a:t>
+            </a:r>
+          </a:p>
+          <a:p>
+            <a:endParaRPr lang="en-US" dirty="0"/>
+          </a:p>
+          <a:p>
+            <a:r>
+              <a:rPr lang="en-US" dirty="0"/>
+              <a:t>Q 6) What techniques were you using for data pre-processing?</a:t>
+            </a:r>
+            <a:endParaRPr lang="en-US" dirty="0">
+              <a:ea typeface="+mn-lt"/>
+              <a:cs typeface="+mn-lt"/>
+            </a:endParaRPr>
+          </a:p>
+          <a:p>
+            <a:pPr marL="285750" indent="-285750">
+              <a:buFont typeface="Arial"/>
+              <a:buChar char="•"/>
+            </a:pPr>
+            <a:r>
+              <a:rPr lang="en-US" dirty="0">
+                <a:ea typeface="+mn-lt"/>
+                <a:cs typeface="+mn-lt"/>
+              </a:rPr>
+              <a:t> Removing unwanted attributes</a:t>
+            </a:r>
+          </a:p>
+          <a:p>
+            <a:pPr marL="285750" indent="-285750">
+              <a:buFont typeface="Arial"/>
+              <a:buChar char="•"/>
+            </a:pPr>
+            <a:r>
+              <a:rPr lang="en-US" dirty="0">
+                <a:ea typeface="+mn-lt"/>
+                <a:cs typeface="+mn-lt"/>
+              </a:rPr>
+              <a:t>Cleaning data and imputing if null values are present.</a:t>
+            </a:r>
+            <a:endParaRPr lang="en-US" dirty="0"/>
+          </a:p>
+          <a:p>
+            <a:pPr marL="285750" indent="-285750">
+              <a:buFont typeface="Arial"/>
+              <a:buChar char="•"/>
+            </a:pPr>
+            <a:r>
+              <a:rPr lang="en-US" dirty="0">
+                <a:ea typeface="+mn-lt"/>
+                <a:cs typeface="+mn-lt"/>
+              </a:rPr>
+              <a:t>Converting categorical data into numeric values.</a:t>
+            </a:r>
+            <a:endParaRPr lang="en-US" dirty="0"/>
+          </a:p>
+          <a:p>
+            <a:pPr marL="285750" indent="-285750">
+              <a:buFont typeface="Arial"/>
+              <a:buChar char="•"/>
+            </a:pPr>
+            <a:r>
+              <a:rPr lang="en-US" dirty="0">
+                <a:ea typeface="+mn-lt"/>
+                <a:cs typeface="+mn-lt"/>
+              </a:rPr>
+              <a:t>Scaling the data</a:t>
+            </a:r>
+            <a:endParaRPr lang="en-US" dirty="0"/>
+          </a:p>
+          <a:p>
+            <a:endParaRPr lang="en-US" dirty="0">
+              <a:ea typeface="+mn-lt"/>
+              <a:cs typeface="+mn-lt"/>
+            </a:endParaRPr>
+          </a:p>
+          <a:p>
+            <a:r>
+              <a:rPr lang="en-US" dirty="0"/>
+              <a:t>Q 7) How training was done or what models were used?</a:t>
+            </a:r>
+            <a:endParaRPr lang="en-US" dirty="0">
+              <a:ea typeface="+mn-lt"/>
+              <a:cs typeface="+mn-lt"/>
+            </a:endParaRPr>
+          </a:p>
+          <a:p>
+            <a:r>
+              <a:rPr lang="en-US" dirty="0">
+                <a:ea typeface="+mn-lt"/>
+                <a:cs typeface="+mn-lt"/>
+              </a:rPr>
+              <a:t>Ans. Scaling was performed upon training and validation set. Then they were passed to </a:t>
+            </a:r>
+            <a:r>
+              <a:rPr lang="en-US" dirty="0" err="1">
+                <a:ea typeface="+mn-lt"/>
+                <a:cs typeface="+mn-lt"/>
+              </a:rPr>
+              <a:t>XGBoost</a:t>
+            </a:r>
+            <a:r>
+              <a:rPr lang="en-US" dirty="0">
+                <a:ea typeface="+mn-lt"/>
+                <a:cs typeface="+mn-lt"/>
+              </a:rPr>
+              <a:t> Regressor. We used </a:t>
+            </a:r>
+            <a:r>
+              <a:rPr lang="en-US" dirty="0" err="1">
+                <a:ea typeface="+mn-lt"/>
+                <a:cs typeface="+mn-lt"/>
+              </a:rPr>
+              <a:t>optuna</a:t>
+            </a:r>
+            <a:r>
+              <a:rPr lang="en-US" dirty="0">
+                <a:ea typeface="+mn-lt"/>
+                <a:cs typeface="+mn-lt"/>
+              </a:rPr>
+              <a:t> for </a:t>
+            </a:r>
+            <a:r>
+              <a:rPr lang="en-US" dirty="0" err="1">
+                <a:ea typeface="+mn-lt"/>
+                <a:cs typeface="+mn-lt"/>
+              </a:rPr>
+              <a:t>hypermparameter</a:t>
+            </a:r>
+            <a:r>
+              <a:rPr lang="en-US" dirty="0">
+                <a:ea typeface="+mn-lt"/>
+                <a:cs typeface="+mn-lt"/>
+              </a:rPr>
+              <a:t> tuning.</a:t>
+            </a:r>
+          </a:p>
+          <a:p>
+            <a:endParaRPr lang="en-US" dirty="0"/>
+          </a:p>
+          <a:p>
+            <a:r>
+              <a:rPr lang="en-US" dirty="0"/>
+              <a:t>Q 8) How Prediction was done?</a:t>
+            </a:r>
+            <a:endParaRPr lang="en-US" dirty="0">
+              <a:ea typeface="+mn-lt"/>
+              <a:cs typeface="+mn-lt"/>
+            </a:endParaRPr>
+          </a:p>
+          <a:p>
+            <a:r>
+              <a:rPr lang="en-US" dirty="0">
+                <a:ea typeface="+mn-lt"/>
+                <a:cs typeface="+mn-lt"/>
+              </a:rPr>
+              <a:t>Ans. The testing files will be uploaded by the end user and if they pass all validation checks, prediction will be done.</a:t>
+            </a:r>
+          </a:p>
+          <a:p>
+            <a:endParaRPr lang="en-US" dirty="0"/>
+          </a:p>
+          <a:p>
+            <a:endParaRPr lang="en-US" dirty="0"/>
+          </a:p>
+        </p:txBody>
+      </p:sp>
+    </p:spTree>
+    <p:extLst>
+      <p:ext uri="{BB962C8B-B14F-4D97-AF65-F5344CB8AC3E}">
+        <p14:creationId xmlns:p14="http://schemas.microsoft.com/office/powerpoint/2010/main" val="2474084770"/>
+      </p:ext>
+    </p:extLst>
+  </p:cSld>
+  <p:clrMapOvr>
+    <a:masterClrMapping/>
+  </p:clrMapOvr>
+</p:sld>
+</file>
+
+<file path=ppt/slides/slide12.xml><?xml version="1.0" encoding="utf-8"?>
+<p:sld xmlns:a="http://schemas.openxmlformats.org/drawingml/2006/main" xmlns:r="http://schemas.openxmlformats.org/officeDocument/2006/relationships" xmlns:p="http://schemas.openxmlformats.org/presentationml/2006/main">
+  <p:cSld>
+    <p:spTree>
+      <p:nvGrpSpPr>
+        <p:cNvPr id="1" name=""/>
+        <p:cNvGrpSpPr/>
+        <p:nvPr/>
+      </p:nvGrpSpPr>
+      <p:grpSpPr>
+        <a:xfrm>
+          <a:off x="0" y="0"/>
+          <a:ext cx="0" cy="0"/>
+          <a:chOff x="0" y="0"/>
+          <a:chExt cx="0" cy="0"/>
+        </a:xfrm>
+      </p:grpSpPr>
+      <p:sp>
+        <p:nvSpPr>
+          <p:cNvPr id="2" name="TextBox 1">
+            <a:extLst>
+              <a:ext uri="{FF2B5EF4-FFF2-40B4-BE49-F238E27FC236}">
+                <a16:creationId xmlns:a16="http://schemas.microsoft.com/office/drawing/2014/main" id="{F329BD1B-5FCC-4CE5-8FBB-A6D5DFD1E7C6}"/>
+              </a:ext>
+            </a:extLst>
+          </p:cNvPr>
+          <p:cNvSpPr txBox="1"/>
+          <p:nvPr/>
+        </p:nvSpPr>
+        <p:spPr>
+          <a:xfrm>
+            <a:off x="787400" y="660400"/>
+            <a:ext cx="10767290" cy="1477328"/>
+          </a:xfrm>
+          <a:prstGeom prst="rect">
+            <a:avLst/>
+          </a:prstGeom>
+          <a:noFill/>
+        </p:spPr>
+        <p:txBody>
+          <a:bodyPr rot="0" spcFirstLastPara="0" vertOverflow="overflow" horzOverflow="overflow" vert="horz" wrap="square" lIns="91440" tIns="45720" rIns="91440" bIns="45720" numCol="1" spcCol="0" rtlCol="0" fromWordArt="0" anchor="t" anchorCtr="0" forceAA="0" compatLnSpc="1">
+            <a:prstTxWarp prst="textNoShape">
+              <a:avLst/>
+            </a:prstTxWarp>
+            <a:spAutoFit/>
+          </a:bodyPr>
+          <a:lstStyle/>
+          <a:p>
+            <a:r>
+              <a:rPr lang="en-US" dirty="0">
+                <a:ea typeface="+mn-lt"/>
+                <a:cs typeface="+mn-lt"/>
+              </a:rPr>
+              <a:t>Q 9) What are the different stages of deployment?</a:t>
+            </a:r>
+          </a:p>
+          <a:p>
+            <a:pPr marL="285750" indent="-285750">
+              <a:buFont typeface="Arial"/>
+              <a:buChar char="•"/>
+            </a:pPr>
+            <a:r>
+              <a:rPr lang="en-US" dirty="0"/>
+              <a:t>First the code is pushed to GitHub and CI/CD pipeline is initiated.</a:t>
+            </a:r>
+          </a:p>
+          <a:p>
+            <a:pPr marL="285750" indent="-285750">
+              <a:buFont typeface="Arial"/>
+              <a:buChar char="•"/>
+            </a:pPr>
+            <a:r>
+              <a:rPr lang="en-US" dirty="0"/>
+              <a:t>In CI/CD pipeline, we test the code and after it passes all tests, it is uploaded to AWS ECR.</a:t>
+            </a:r>
+          </a:p>
+          <a:p>
+            <a:pPr marL="285750" indent="-285750">
+              <a:buFont typeface="Arial"/>
+              <a:buChar char="•"/>
+            </a:pPr>
+            <a:r>
+              <a:rPr lang="en-US" dirty="0"/>
+              <a:t>After the image is pusher to AWS ECR, the </a:t>
+            </a:r>
+            <a:r>
+              <a:rPr lang="en-US" dirty="0" err="1"/>
+              <a:t>CodePipeline</a:t>
+            </a:r>
+            <a:r>
+              <a:rPr lang="en-US" dirty="0"/>
+              <a:t> gets started and the application gets deployed in AWS Elastic Beanstalk.</a:t>
+            </a:r>
+          </a:p>
+        </p:txBody>
+      </p:sp>
+    </p:spTree>
+    <p:extLst>
+      <p:ext uri="{BB962C8B-B14F-4D97-AF65-F5344CB8AC3E}">
+        <p14:creationId xmlns:p14="http://schemas.microsoft.com/office/powerpoint/2010/main" val="1546399890"/>
+      </p:ext>
+    </p:extLst>
+  </p:cSld>
+  <p:clrMapOvr>
+    <a:masterClrMapping/>
+  </p:clrMapOvr>
+</p:sld>
+</file>
+
 <file path=ppt/slides/slide2.xml><?xml version="1.0" encoding="utf-8"?>
 <p:sld xmlns:a="http://schemas.openxmlformats.org/drawingml/2006/main" xmlns:r="http://schemas.openxmlformats.org/officeDocument/2006/relationships" xmlns:p="http://schemas.openxmlformats.org/presentationml/2006/main">
   <p:cSld>
